--- a/ppt/MachineLearning13-ScikitLearn.pptx
+++ b/ppt/MachineLearning13-ScikitLearn.pptx
@@ -5,10 +5,10 @@
     <p:sldMasterId id="2147483653" r:id="rId1"/>
   </p:sldMasterIdLst>
   <p:notesMasterIdLst>
-    <p:notesMasterId r:id="rId21"/>
+    <p:notesMasterId r:id="rId19"/>
   </p:notesMasterIdLst>
   <p:handoutMasterIdLst>
-    <p:handoutMasterId r:id="rId22"/>
+    <p:handoutMasterId r:id="rId20"/>
   </p:handoutMasterIdLst>
   <p:sldIdLst>
     <p:sldId id="264" r:id="rId2"/>
@@ -28,8 +28,6 @@
     <p:sldId id="291" r:id="rId16"/>
     <p:sldId id="292" r:id="rId17"/>
     <p:sldId id="293" r:id="rId18"/>
-    <p:sldId id="294" r:id="rId19"/>
-    <p:sldId id="286" r:id="rId20"/>
   </p:sldIdLst>
   <p:sldSz cx="9144000" cy="6858000" type="screen4x3"/>
   <p:notesSz cx="6648450" cy="9782175"/>
@@ -622,35 +620,35 @@
           <a:p>
             <a:pPr lvl="0"/>
             <a:r>
-              <a:rPr lang="fr-FR" noProof="0" smtClean="0"/>
+              <a:rPr lang="fr-FR" noProof="0"/>
               <a:t>Cliquez pour modifier les styles du texte du masque</a:t>
             </a:r>
           </a:p>
           <a:p>
             <a:pPr lvl="1"/>
             <a:r>
-              <a:rPr lang="fr-FR" noProof="0" smtClean="0"/>
+              <a:rPr lang="fr-FR" noProof="0"/>
               <a:t>Deuxième niveau</a:t>
             </a:r>
           </a:p>
           <a:p>
             <a:pPr lvl="2"/>
             <a:r>
-              <a:rPr lang="fr-FR" noProof="0" smtClean="0"/>
+              <a:rPr lang="fr-FR" noProof="0"/>
               <a:t>Troisième niveau</a:t>
             </a:r>
           </a:p>
           <a:p>
             <a:pPr lvl="3"/>
             <a:r>
-              <a:rPr lang="fr-FR" noProof="0" smtClean="0"/>
+              <a:rPr lang="fr-FR" noProof="0"/>
               <a:t>Quatrième niveau</a:t>
             </a:r>
           </a:p>
           <a:p>
             <a:pPr lvl="4"/>
             <a:r>
-              <a:rPr lang="fr-FR" noProof="0" smtClean="0"/>
+              <a:rPr lang="fr-FR" noProof="0"/>
               <a:t>Cinquième niveau</a:t>
             </a:r>
           </a:p>
@@ -938,10 +936,9 @@
           <a:lstStyle/>
           <a:p>
             <a:r>
-              <a:rPr lang="fr-FR" smtClean="0"/>
+              <a:rPr lang="fr-FR"/>
               <a:t>Cliquez pour modifier le style du titre</a:t>
             </a:r>
-            <a:endParaRPr lang="fr-FR"/>
           </a:p>
         </p:txBody>
       </p:sp>
@@ -1003,10 +1000,9 @@
           </a:lstStyle>
           <a:p>
             <a:r>
-              <a:rPr lang="fr-FR" smtClean="0"/>
+              <a:rPr lang="fr-FR"/>
               <a:t>Cliquez pour modifier le style des sous-titres du masque</a:t>
             </a:r>
-            <a:endParaRPr lang="fr-FR"/>
           </a:p>
         </p:txBody>
       </p:sp>
@@ -1061,10 +1057,9 @@
           <a:lstStyle/>
           <a:p>
             <a:r>
-              <a:rPr lang="fr-FR" smtClean="0"/>
+              <a:rPr lang="fr-FR"/>
               <a:t>Cliquez pour modifier le style du titre</a:t>
             </a:r>
-            <a:endParaRPr lang="fr-FR"/>
           </a:p>
         </p:txBody>
       </p:sp>
@@ -1090,38 +1085,37 @@
           <a:p>
             <a:pPr lvl="0"/>
             <a:r>
-              <a:rPr lang="fr-FR" smtClean="0"/>
+              <a:rPr lang="fr-FR"/>
               <a:t>Cliquez pour modifier les styles du texte du masque</a:t>
             </a:r>
           </a:p>
           <a:p>
             <a:pPr lvl="1"/>
             <a:r>
-              <a:rPr lang="fr-FR" smtClean="0"/>
+              <a:rPr lang="fr-FR"/>
               <a:t>Deuxième niveau</a:t>
             </a:r>
           </a:p>
           <a:p>
             <a:pPr lvl="2"/>
             <a:r>
-              <a:rPr lang="fr-FR" smtClean="0"/>
+              <a:rPr lang="fr-FR"/>
               <a:t>Troisième niveau</a:t>
             </a:r>
           </a:p>
           <a:p>
             <a:pPr lvl="3"/>
             <a:r>
-              <a:rPr lang="fr-FR" smtClean="0"/>
+              <a:rPr lang="fr-FR"/>
               <a:t>Quatrième niveau</a:t>
             </a:r>
           </a:p>
           <a:p>
             <a:pPr lvl="4"/>
             <a:r>
-              <a:rPr lang="fr-FR" smtClean="0"/>
+              <a:rPr lang="fr-FR"/>
               <a:t>Cinquième niveau</a:t>
             </a:r>
-            <a:endParaRPr lang="fr-FR"/>
           </a:p>
         </p:txBody>
       </p:sp>
@@ -1180,10 +1174,9 @@
           </a:lstStyle>
           <a:p>
             <a:r>
-              <a:rPr lang="fr-FR" dirty="0" smtClean="0"/>
+              <a:rPr lang="fr-FR" dirty="0"/>
               <a:t>Cliquez pour modifier le style du titre</a:t>
             </a:r>
-            <a:endParaRPr lang="fr-FR" dirty="0"/>
           </a:p>
         </p:txBody>
       </p:sp>
@@ -1209,38 +1202,37 @@
           <a:p>
             <a:pPr lvl="0"/>
             <a:r>
-              <a:rPr lang="fr-FR" dirty="0" smtClean="0"/>
+              <a:rPr lang="fr-FR" dirty="0"/>
               <a:t>Cliquez pour modifier les styles du texte du masque</a:t>
             </a:r>
           </a:p>
           <a:p>
             <a:pPr lvl="1"/>
             <a:r>
-              <a:rPr lang="fr-FR" dirty="0" smtClean="0"/>
+              <a:rPr lang="fr-FR" dirty="0"/>
               <a:t>Deuxième niveau</a:t>
             </a:r>
           </a:p>
           <a:p>
             <a:pPr lvl="2"/>
             <a:r>
-              <a:rPr lang="fr-FR" dirty="0" smtClean="0"/>
+              <a:rPr lang="fr-FR" dirty="0"/>
               <a:t>Troisième niveau</a:t>
             </a:r>
           </a:p>
           <a:p>
             <a:pPr lvl="3"/>
             <a:r>
-              <a:rPr lang="fr-FR" dirty="0" smtClean="0"/>
+              <a:rPr lang="fr-FR" dirty="0"/>
               <a:t>Quatrième niveau</a:t>
             </a:r>
           </a:p>
           <a:p>
             <a:pPr lvl="4"/>
             <a:r>
-              <a:rPr lang="fr-FR" dirty="0" smtClean="0"/>
+              <a:rPr lang="fr-FR" dirty="0"/>
               <a:t>Cinquième niveau</a:t>
             </a:r>
-            <a:endParaRPr lang="fr-FR" dirty="0"/>
           </a:p>
         </p:txBody>
       </p:sp>
@@ -1290,10 +1282,9 @@
           <a:lstStyle/>
           <a:p>
             <a:r>
-              <a:rPr lang="fr-FR" smtClean="0"/>
+              <a:rPr lang="fr-FR"/>
               <a:t>Cliquez pour modifier le style du titre</a:t>
             </a:r>
-            <a:endParaRPr lang="fr-FR"/>
           </a:p>
         </p:txBody>
       </p:sp>
@@ -1347,38 +1338,37 @@
           <a:p>
             <a:pPr lvl="0"/>
             <a:r>
-              <a:rPr lang="fr-FR" smtClean="0"/>
+              <a:rPr lang="fr-FR"/>
               <a:t>Cliquez pour modifier les styles du texte du masque</a:t>
             </a:r>
           </a:p>
           <a:p>
             <a:pPr lvl="1"/>
             <a:r>
-              <a:rPr lang="fr-FR" smtClean="0"/>
+              <a:rPr lang="fr-FR"/>
               <a:t>Deuxième niveau</a:t>
             </a:r>
           </a:p>
           <a:p>
             <a:pPr lvl="2"/>
             <a:r>
-              <a:rPr lang="fr-FR" smtClean="0"/>
+              <a:rPr lang="fr-FR"/>
               <a:t>Troisième niveau</a:t>
             </a:r>
           </a:p>
           <a:p>
             <a:pPr lvl="3"/>
             <a:r>
-              <a:rPr lang="fr-FR" smtClean="0"/>
+              <a:rPr lang="fr-FR"/>
               <a:t>Quatrième niveau</a:t>
             </a:r>
           </a:p>
           <a:p>
             <a:pPr lvl="4"/>
             <a:r>
-              <a:rPr lang="fr-FR" smtClean="0"/>
+              <a:rPr lang="fr-FR"/>
               <a:t>Cinquième niveau</a:t>
             </a:r>
-            <a:endParaRPr lang="fr-FR"/>
           </a:p>
         </p:txBody>
       </p:sp>
@@ -1432,38 +1422,37 @@
           <a:p>
             <a:pPr lvl="0"/>
             <a:r>
-              <a:rPr lang="fr-FR" smtClean="0"/>
+              <a:rPr lang="fr-FR"/>
               <a:t>Cliquez pour modifier les styles du texte du masque</a:t>
             </a:r>
           </a:p>
           <a:p>
             <a:pPr lvl="1"/>
             <a:r>
-              <a:rPr lang="fr-FR" smtClean="0"/>
+              <a:rPr lang="fr-FR"/>
               <a:t>Deuxième niveau</a:t>
             </a:r>
           </a:p>
           <a:p>
             <a:pPr lvl="2"/>
             <a:r>
-              <a:rPr lang="fr-FR" smtClean="0"/>
+              <a:rPr lang="fr-FR"/>
               <a:t>Troisième niveau</a:t>
             </a:r>
           </a:p>
           <a:p>
             <a:pPr lvl="3"/>
             <a:r>
-              <a:rPr lang="fr-FR" smtClean="0"/>
+              <a:rPr lang="fr-FR"/>
               <a:t>Quatrième niveau</a:t>
             </a:r>
           </a:p>
           <a:p>
             <a:pPr lvl="4"/>
             <a:r>
-              <a:rPr lang="fr-FR" smtClean="0"/>
+              <a:rPr lang="fr-FR"/>
               <a:t>Cinquième niveau</a:t>
             </a:r>
-            <a:endParaRPr lang="fr-FR"/>
           </a:p>
         </p:txBody>
       </p:sp>
@@ -1522,10 +1511,9 @@
           </a:lstStyle>
           <a:p>
             <a:r>
-              <a:rPr lang="fr-FR" smtClean="0"/>
+              <a:rPr lang="fr-FR"/>
               <a:t>Cliquez pour modifier le style du titre</a:t>
             </a:r>
-            <a:endParaRPr lang="fr-FR"/>
           </a:p>
         </p:txBody>
       </p:sp>
@@ -1588,7 +1576,7 @@
           <a:p>
             <a:pPr lvl="0"/>
             <a:r>
-              <a:rPr lang="fr-FR" smtClean="0"/>
+              <a:rPr lang="fr-FR"/>
               <a:t>Cliquez pour modifier les styles du texte du masque</a:t>
             </a:r>
           </a:p>
@@ -1644,38 +1632,37 @@
           <a:p>
             <a:pPr lvl="0"/>
             <a:r>
-              <a:rPr lang="fr-FR" smtClean="0"/>
+              <a:rPr lang="fr-FR"/>
               <a:t>Cliquez pour modifier les styles du texte du masque</a:t>
             </a:r>
           </a:p>
           <a:p>
             <a:pPr lvl="1"/>
             <a:r>
-              <a:rPr lang="fr-FR" smtClean="0"/>
+              <a:rPr lang="fr-FR"/>
               <a:t>Deuxième niveau</a:t>
             </a:r>
           </a:p>
           <a:p>
             <a:pPr lvl="2"/>
             <a:r>
-              <a:rPr lang="fr-FR" smtClean="0"/>
+              <a:rPr lang="fr-FR"/>
               <a:t>Troisième niveau</a:t>
             </a:r>
           </a:p>
           <a:p>
             <a:pPr lvl="3"/>
             <a:r>
-              <a:rPr lang="fr-FR" smtClean="0"/>
+              <a:rPr lang="fr-FR"/>
               <a:t>Quatrième niveau</a:t>
             </a:r>
           </a:p>
           <a:p>
             <a:pPr lvl="4"/>
             <a:r>
-              <a:rPr lang="fr-FR" smtClean="0"/>
+              <a:rPr lang="fr-FR"/>
               <a:t>Cinquième niveau</a:t>
             </a:r>
-            <a:endParaRPr lang="fr-FR"/>
           </a:p>
         </p:txBody>
       </p:sp>
@@ -1738,7 +1725,7 @@
           <a:p>
             <a:pPr lvl="0"/>
             <a:r>
-              <a:rPr lang="fr-FR" smtClean="0"/>
+              <a:rPr lang="fr-FR"/>
               <a:t>Cliquez pour modifier les styles du texte du masque</a:t>
             </a:r>
           </a:p>
@@ -1794,38 +1781,37 @@
           <a:p>
             <a:pPr lvl="0"/>
             <a:r>
-              <a:rPr lang="fr-FR" smtClean="0"/>
+              <a:rPr lang="fr-FR"/>
               <a:t>Cliquez pour modifier les styles du texte du masque</a:t>
             </a:r>
           </a:p>
           <a:p>
             <a:pPr lvl="1"/>
             <a:r>
-              <a:rPr lang="fr-FR" smtClean="0"/>
+              <a:rPr lang="fr-FR"/>
               <a:t>Deuxième niveau</a:t>
             </a:r>
           </a:p>
           <a:p>
             <a:pPr lvl="2"/>
             <a:r>
-              <a:rPr lang="fr-FR" smtClean="0"/>
+              <a:rPr lang="fr-FR"/>
               <a:t>Troisième niveau</a:t>
             </a:r>
           </a:p>
           <a:p>
             <a:pPr lvl="3"/>
             <a:r>
-              <a:rPr lang="fr-FR" smtClean="0"/>
+              <a:rPr lang="fr-FR"/>
               <a:t>Quatrième niveau</a:t>
             </a:r>
           </a:p>
           <a:p>
             <a:pPr lvl="4"/>
             <a:r>
-              <a:rPr lang="fr-FR" smtClean="0"/>
+              <a:rPr lang="fr-FR"/>
               <a:t>Cinquième niveau</a:t>
             </a:r>
-            <a:endParaRPr lang="fr-FR"/>
           </a:p>
         </p:txBody>
       </p:sp>
@@ -1875,10 +1861,9 @@
           <a:lstStyle/>
           <a:p>
             <a:r>
-              <a:rPr lang="fr-FR" smtClean="0"/>
+              <a:rPr lang="fr-FR"/>
               <a:t>Cliquez pour modifier le style du titre</a:t>
             </a:r>
-            <a:endParaRPr lang="fr-FR"/>
           </a:p>
         </p:txBody>
       </p:sp>
@@ -1967,10 +1952,9 @@
           </a:lstStyle>
           <a:p>
             <a:r>
-              <a:rPr lang="fr-FR" smtClean="0"/>
+              <a:rPr lang="fr-FR"/>
               <a:t>Cliquez pour modifier le style du titre</a:t>
             </a:r>
-            <a:endParaRPr lang="fr-FR"/>
           </a:p>
         </p:txBody>
       </p:sp>
@@ -2024,38 +2008,37 @@
           <a:p>
             <a:pPr lvl="0"/>
             <a:r>
-              <a:rPr lang="fr-FR" smtClean="0"/>
+              <a:rPr lang="fr-FR"/>
               <a:t>Cliquez pour modifier les styles du texte du masque</a:t>
             </a:r>
           </a:p>
           <a:p>
             <a:pPr lvl="1"/>
             <a:r>
-              <a:rPr lang="fr-FR" smtClean="0"/>
+              <a:rPr lang="fr-FR"/>
               <a:t>Deuxième niveau</a:t>
             </a:r>
           </a:p>
           <a:p>
             <a:pPr lvl="2"/>
             <a:r>
-              <a:rPr lang="fr-FR" smtClean="0"/>
+              <a:rPr lang="fr-FR"/>
               <a:t>Troisième niveau</a:t>
             </a:r>
           </a:p>
           <a:p>
             <a:pPr lvl="3"/>
             <a:r>
-              <a:rPr lang="fr-FR" smtClean="0"/>
+              <a:rPr lang="fr-FR"/>
               <a:t>Quatrième niveau</a:t>
             </a:r>
           </a:p>
           <a:p>
             <a:pPr lvl="4"/>
             <a:r>
-              <a:rPr lang="fr-FR" smtClean="0"/>
+              <a:rPr lang="fr-FR"/>
               <a:t>Cinquième niveau</a:t>
             </a:r>
-            <a:endParaRPr lang="fr-FR"/>
           </a:p>
         </p:txBody>
       </p:sp>
@@ -2118,7 +2101,7 @@
           <a:p>
             <a:pPr lvl="0"/>
             <a:r>
-              <a:rPr lang="fr-FR" smtClean="0"/>
+              <a:rPr lang="fr-FR"/>
               <a:t>Cliquez pour modifier les styles du texte du masque</a:t>
             </a:r>
           </a:p>
@@ -2179,10 +2162,9 @@
           </a:lstStyle>
           <a:p>
             <a:r>
-              <a:rPr lang="fr-FR" smtClean="0"/>
+              <a:rPr lang="fr-FR"/>
               <a:t>Cliquez pour modifier le style du titre</a:t>
             </a:r>
-            <a:endParaRPr lang="fr-FR"/>
           </a:p>
         </p:txBody>
       </p:sp>
@@ -2244,7 +2226,7 @@
           </a:lstStyle>
           <a:p>
             <a:pPr lvl="0"/>
-            <a:endParaRPr lang="fr-FR" noProof="0" smtClean="0"/>
+            <a:endParaRPr lang="fr-FR" noProof="0"/>
           </a:p>
         </p:txBody>
       </p:sp>
@@ -2307,7 +2289,7 @@
           <a:p>
             <a:pPr lvl="0"/>
             <a:r>
-              <a:rPr lang="fr-FR" smtClean="0"/>
+              <a:rPr lang="fr-FR"/>
               <a:t>Cliquez pour modifier les styles du texte du masque</a:t>
             </a:r>
           </a:p>
@@ -2359,10 +2341,9 @@
           <a:lstStyle/>
           <a:p>
             <a:r>
-              <a:rPr lang="fr-FR" smtClean="0"/>
+              <a:rPr lang="fr-FR"/>
               <a:t>Cliquez pour modifier le style du titre</a:t>
             </a:r>
-            <a:endParaRPr lang="fr-FR"/>
           </a:p>
         </p:txBody>
       </p:sp>
@@ -2383,38 +2364,37 @@
           <a:p>
             <a:pPr lvl="0"/>
             <a:r>
-              <a:rPr lang="fr-FR" smtClean="0"/>
+              <a:rPr lang="fr-FR"/>
               <a:t>Cliquez pour modifier les styles du texte du masque</a:t>
             </a:r>
           </a:p>
           <a:p>
             <a:pPr lvl="1"/>
             <a:r>
-              <a:rPr lang="fr-FR" smtClean="0"/>
+              <a:rPr lang="fr-FR"/>
               <a:t>Deuxième niveau</a:t>
             </a:r>
           </a:p>
           <a:p>
             <a:pPr lvl="2"/>
             <a:r>
-              <a:rPr lang="fr-FR" smtClean="0"/>
+              <a:rPr lang="fr-FR"/>
               <a:t>Troisième niveau</a:t>
             </a:r>
           </a:p>
           <a:p>
             <a:pPr lvl="3"/>
             <a:r>
-              <a:rPr lang="fr-FR" smtClean="0"/>
+              <a:rPr lang="fr-FR"/>
               <a:t>Quatrième niveau</a:t>
             </a:r>
           </a:p>
           <a:p>
             <a:pPr lvl="4"/>
             <a:r>
-              <a:rPr lang="fr-FR" smtClean="0"/>
+              <a:rPr lang="fr-FR"/>
               <a:t>Cinquième niveau</a:t>
             </a:r>
-            <a:endParaRPr lang="fr-FR"/>
           </a:p>
         </p:txBody>
       </p:sp>
@@ -2595,7 +2575,7 @@
             <a:pPr eaLnBrk="1" hangingPunct="1">
               <a:defRPr/>
             </a:pPr>
-            <a:endParaRPr lang="fr-FR" altLang="fr-FR" smtClean="0"/>
+            <a:endParaRPr lang="fr-FR" altLang="fr-FR"/>
           </a:p>
         </p:txBody>
       </p:sp>
@@ -2749,7 +2729,7 @@
               <a:defRPr/>
             </a:pPr>
             <a:r>
-              <a:rPr lang="fr-FR" sz="1200" dirty="0" smtClean="0"/>
+              <a:rPr lang="fr-FR" sz="1200" dirty="0"/>
               <a:t>Page </a:t>
             </a:r>
             <a:fld id="{E218E9B1-FD08-4C80-902E-210BA2967D0D}" type="slidenum">
@@ -2762,7 +2742,7 @@
               </a:pPr>
               <a:t>‹N°›</a:t>
             </a:fld>
-            <a:endParaRPr lang="fr-FR" dirty="0" smtClean="0">
+            <a:endParaRPr lang="fr-FR" dirty="0">
               <a:latin typeface="Times New Roman" pitchFamily="18" charset="0"/>
             </a:endParaRPr>
           </a:p>
@@ -2918,10 +2898,10 @@
               <a:defRPr/>
             </a:pPr>
             <a:r>
-              <a:rPr lang="fr-FR" sz="1600" dirty="0" smtClean="0"/>
+              <a:rPr lang="fr-FR" sz="1600" dirty="0"/>
               <a:t>Python</a:t>
             </a:r>
-            <a:endParaRPr lang="fr-FR" dirty="0" smtClean="0">
+            <a:endParaRPr lang="fr-FR" dirty="0">
               <a:latin typeface="Times New Roman" pitchFamily="18" charset="0"/>
             </a:endParaRPr>
           </a:p>
@@ -2979,7 +2959,7 @@
           <a:p>
             <a:pPr lvl="0"/>
             <a:r>
-              <a:rPr lang="fr-FR" altLang="fr-FR" smtClean="0"/>
+              <a:rPr lang="fr-FR" altLang="fr-FR"/>
               <a:t>Cliquez pour modifier le style du titre du masque</a:t>
             </a:r>
           </a:p>
@@ -3037,35 +3017,35 @@
           <a:p>
             <a:pPr lvl="0"/>
             <a:r>
-              <a:rPr lang="fr-FR" altLang="fr-FR" smtClean="0"/>
+              <a:rPr lang="fr-FR" altLang="fr-FR"/>
               <a:t>Cliquez pour modifier les styles du texte du masque</a:t>
             </a:r>
           </a:p>
           <a:p>
             <a:pPr lvl="1"/>
             <a:r>
-              <a:rPr lang="fr-FR" altLang="fr-FR" smtClean="0"/>
+              <a:rPr lang="fr-FR" altLang="fr-FR"/>
               <a:t>Deuxième niveau</a:t>
             </a:r>
           </a:p>
           <a:p>
             <a:pPr lvl="2"/>
             <a:r>
-              <a:rPr lang="fr-FR" altLang="fr-FR" smtClean="0"/>
+              <a:rPr lang="fr-FR" altLang="fr-FR"/>
               <a:t>Troisième niveau</a:t>
             </a:r>
           </a:p>
           <a:p>
             <a:pPr lvl="3"/>
             <a:r>
-              <a:rPr lang="fr-FR" altLang="fr-FR" smtClean="0"/>
+              <a:rPr lang="fr-FR" altLang="fr-FR"/>
               <a:t>Quatrième niveau</a:t>
             </a:r>
           </a:p>
           <a:p>
             <a:pPr lvl="4"/>
             <a:r>
-              <a:rPr lang="fr-FR" altLang="fr-FR" smtClean="0"/>
+              <a:rPr lang="fr-FR" altLang="fr-FR"/>
               <a:t>Cinquième niveau</a:t>
             </a:r>
           </a:p>
@@ -3221,10 +3201,10 @@
               <a:defRPr/>
             </a:pPr>
             <a:r>
-              <a:rPr lang="fr-FR" sz="1200" smtClean="0"/>
+              <a:rPr lang="fr-FR" sz="1200"/>
               <a:t>© Cyril Vincent Conseil</a:t>
             </a:r>
-            <a:endParaRPr lang="fr-FR" smtClean="0">
+            <a:endParaRPr lang="fr-FR">
               <a:latin typeface="Times New Roman" pitchFamily="18" charset="0"/>
             </a:endParaRPr>
           </a:p>
@@ -3706,10 +3686,10 @@
           <a:p>
             <a:pPr eaLnBrk="1" hangingPunct="1"/>
             <a:r>
-              <a:rPr lang="fr-FR" altLang="fr-FR" smtClean="0"/>
+              <a:rPr lang="fr-FR" altLang="fr-FR"/>
               <a:t>Chapitre 13</a:t>
             </a:r>
-            <a:endParaRPr lang="fr-FR" altLang="fr-FR" dirty="0" smtClean="0"/>
+            <a:endParaRPr lang="fr-FR" altLang="fr-FR" dirty="0"/>
           </a:p>
         </p:txBody>
       </p:sp>
@@ -3760,10 +3740,9 @@
           <a:lstStyle/>
           <a:p>
             <a:r>
-              <a:rPr lang="fr-FR" sz="3600" dirty="0" smtClean="0"/>
+              <a:rPr lang="fr-FR" sz="3600" dirty="0"/>
               <a:t>Data Science</a:t>
             </a:r>
-            <a:endParaRPr lang="fr-FR" sz="3600" dirty="0"/>
           </a:p>
         </p:txBody>
       </p:sp>
@@ -3796,13 +3775,6 @@
   <p:clrMapOvr>
     <a:masterClrMapping/>
   </p:clrMapOvr>
-  <p:timing>
-    <p:tnLst>
-      <p:par>
-        <p:cTn id="1" dur="indefinite" restart="never" nodeType="tmRoot"/>
-      </p:par>
-    </p:tnLst>
-  </p:timing>
 </p:sld>
 </file>
 
@@ -3839,10 +3811,9 @@
           <a:lstStyle/>
           <a:p>
             <a:r>
-              <a:rPr lang="fr-FR" dirty="0" smtClean="0"/>
+              <a:rPr lang="fr-FR" dirty="0"/>
               <a:t>Interprétation</a:t>
             </a:r>
-            <a:endParaRPr lang="fr-FR" dirty="0"/>
           </a:p>
         </p:txBody>
       </p:sp>
@@ -3862,14 +3833,14 @@
           <a:lstStyle/>
           <a:p>
             <a:r>
-              <a:rPr lang="fr-FR" dirty="0" smtClean="0"/>
+              <a:rPr lang="fr-FR" dirty="0"/>
               <a:t>Polynôme degré 4</a:t>
             </a:r>
           </a:p>
           <a:p>
             <a:pPr lvl="1"/>
             <a:r>
-              <a:rPr lang="fr-FR" dirty="0" smtClean="0"/>
+              <a:rPr lang="fr-FR" dirty="0"/>
               <a:t>Erreur 61%</a:t>
             </a:r>
           </a:p>
@@ -3877,32 +3848,30 @@
             <a:endParaRPr lang="fr-FR" dirty="0"/>
           </a:p>
           <a:p>
-            <a:endParaRPr lang="fr-FR" dirty="0" smtClean="0"/>
-          </a:p>
-          <a:p>
             <a:endParaRPr lang="fr-FR" dirty="0"/>
           </a:p>
           <a:p>
-            <a:endParaRPr lang="fr-FR" dirty="0" smtClean="0"/>
-          </a:p>
-          <a:p>
-            <a:r>
-              <a:rPr lang="fr-FR" smtClean="0"/>
+            <a:endParaRPr lang="fr-FR" dirty="0"/>
+          </a:p>
+          <a:p>
+            <a:endParaRPr lang="fr-FR" dirty="0"/>
+          </a:p>
+          <a:p>
+            <a:r>
+              <a:rPr lang="fr-FR"/>
               <a:t>Polynôme </a:t>
             </a:r>
             <a:r>
-              <a:rPr lang="fr-FR" dirty="0" smtClean="0"/>
+              <a:rPr lang="fr-FR" dirty="0"/>
               <a:t>degré 6</a:t>
             </a:r>
-            <a:endParaRPr lang="fr-FR" dirty="0"/>
           </a:p>
           <a:p>
             <a:pPr lvl="1"/>
             <a:r>
-              <a:rPr lang="fr-FR" dirty="0" smtClean="0"/>
+              <a:rPr lang="fr-FR" dirty="0"/>
               <a:t>Erreur 3%</a:t>
             </a:r>
-            <a:endParaRPr lang="fr-FR" dirty="0"/>
           </a:p>
         </p:txBody>
       </p:sp>
@@ -3964,13 +3933,6 @@
   <p:clrMapOvr>
     <a:masterClrMapping/>
   </p:clrMapOvr>
-  <p:timing>
-    <p:tnLst>
-      <p:par>
-        <p:cTn id="1" dur="indefinite" restart="never" nodeType="tmRoot"/>
-      </p:par>
-    </p:tnLst>
-  </p:timing>
 </p:sld>
 </file>
 
@@ -4007,7 +3969,7 @@
           <a:lstStyle/>
           <a:p>
             <a:r>
-              <a:rPr lang="fr-FR" dirty="0" err="1" smtClean="0"/>
+              <a:rPr lang="fr-FR" dirty="0" err="1"/>
               <a:t>Surapprentissage</a:t>
             </a:r>
             <a:endParaRPr lang="fr-FR" dirty="0"/>
@@ -4031,65 +3993,45 @@
           <a:p>
             <a:r>
               <a:rPr lang="fr-FR" dirty="0"/>
-              <a:t>La notion </a:t>
-            </a:r>
-            <a:r>
-              <a:rPr lang="fr-FR" dirty="0" smtClean="0"/>
-              <a:t>de </a:t>
-            </a:r>
-            <a:r>
-              <a:rPr lang="fr-FR" dirty="0" err="1" smtClean="0"/>
+              <a:t>La notion de </a:t>
+            </a:r>
+            <a:r>
+              <a:rPr lang="fr-FR" dirty="0" err="1"/>
               <a:t>surapprentissage</a:t>
             </a:r>
             <a:r>
-              <a:rPr lang="fr-FR" dirty="0" smtClean="0"/>
-              <a:t> désigne </a:t>
-            </a:r>
-            <a:r>
-              <a:rPr lang="fr-FR" dirty="0"/>
-              <a:t>le fait que le modèle que vous avez choisi est trop collé aux données </a:t>
-            </a:r>
-            <a:r>
-              <a:rPr lang="fr-FR" dirty="0" smtClean="0"/>
-              <a:t>d'entraînement</a:t>
+              <a:rPr lang="fr-FR" dirty="0"/>
+              <a:t> désigne le fait que le modèle que vous avez choisi est trop collé aux données d'entraînement</a:t>
             </a:r>
           </a:p>
           <a:p>
             <a:pPr lvl="1"/>
             <a:r>
-              <a:rPr lang="fr-FR" dirty="0" smtClean="0"/>
-              <a:t>C'est </a:t>
-            </a:r>
-            <a:r>
-              <a:rPr lang="fr-FR" dirty="0"/>
-              <a:t>un problème classique de data science, lorsqu'on choisi un modèle trop "flexible", c'est à dire avec une complexité trop élevée qui prend aussi en compte le bruit du </a:t>
-            </a:r>
-            <a:r>
-              <a:rPr lang="fr-FR" dirty="0" smtClean="0"/>
-              <a:t>phénomène</a:t>
+              <a:rPr lang="fr-FR" dirty="0"/>
+              <a:t>C'est un problème classique de data science, lorsqu'on choisi un modèle trop "flexible", c'est à dire avec une complexité trop élevée qui prend aussi en compte le bruit du phénomène</a:t>
             </a:r>
           </a:p>
           <a:p>
             <a:pPr lvl="1"/>
             <a:r>
-              <a:rPr lang="fr-FR" dirty="0" smtClean="0"/>
+              <a:rPr lang="fr-FR" dirty="0"/>
               <a:t>Ici modèle simple </a:t>
             </a:r>
           </a:p>
           <a:p>
             <a:pPr lvl="1"/>
             <a:r>
-              <a:rPr lang="fr-FR" dirty="0" smtClean="0"/>
+              <a:rPr lang="fr-FR" dirty="0"/>
               <a:t>vs modèle complexe</a:t>
             </a:r>
           </a:p>
           <a:p>
             <a:r>
-              <a:rPr lang="fr-FR" dirty="0" smtClean="0"/>
+              <a:rPr lang="fr-FR" dirty="0"/>
               <a:t>D’où l’utiliser d’un </a:t>
             </a:r>
             <a:r>
-              <a:rPr lang="fr-FR" dirty="0" err="1" smtClean="0"/>
+              <a:rPr lang="fr-FR" dirty="0" err="1"/>
               <a:t>TestSet</a:t>
             </a:r>
             <a:endParaRPr lang="fr-FR" dirty="0"/>
@@ -4151,13 +4093,6 @@
   <p:clrMapOvr>
     <a:masterClrMapping/>
   </p:clrMapOvr>
-  <p:timing>
-    <p:tnLst>
-      <p:par>
-        <p:cTn id="1" dur="indefinite" restart="never" nodeType="tmRoot"/>
-      </p:par>
-    </p:tnLst>
-  </p:timing>
 </p:sld>
 </file>
 
@@ -4194,7 +4129,7 @@
           <a:lstStyle/>
           <a:p>
             <a:r>
-              <a:rPr lang="fr-FR" dirty="0" err="1" smtClean="0"/>
+              <a:rPr lang="fr-FR" dirty="0" err="1"/>
               <a:t>Echantillonage</a:t>
             </a:r>
             <a:endParaRPr lang="fr-FR" dirty="0"/>
@@ -4226,89 +4161,56 @@
             </a:r>
             <a:r>
               <a:rPr lang="fr-FR" dirty="0"/>
-              <a:t>) dont vous disposez constitue une ressource </a:t>
-            </a:r>
-            <a:r>
-              <a:rPr lang="fr-FR" dirty="0" smtClean="0"/>
-              <a:t>précieuse</a:t>
+              <a:t>) dont vous disposez constitue une ressource précieuse</a:t>
             </a:r>
           </a:p>
           <a:p>
             <a:pPr lvl="1"/>
             <a:r>
-              <a:rPr lang="fr-FR" dirty="0" smtClean="0"/>
-              <a:t>Il </a:t>
-            </a:r>
-            <a:r>
-              <a:rPr lang="fr-FR" dirty="0"/>
-              <a:t>faut pouvoir l’utiliser à bon escient afin de pouvoir à la fois choisir un modèle et </a:t>
-            </a:r>
-            <a:r>
-              <a:rPr lang="fr-FR" dirty="0" smtClean="0"/>
-              <a:t>l'entraîner</a:t>
+              <a:rPr lang="fr-FR" dirty="0"/>
+              <a:t>Il faut pouvoir l’utiliser à bon escient afin de pouvoir à la fois choisir un modèle et l'entraîner</a:t>
             </a:r>
           </a:p>
           <a:p>
             <a:pPr lvl="1"/>
             <a:r>
-              <a:rPr lang="fr-FR" dirty="0" smtClean="0"/>
-              <a:t>mais </a:t>
-            </a:r>
-            <a:r>
-              <a:rPr lang="fr-FR" dirty="0"/>
-              <a:t>aussi de pouvoir tester la qualité de ce </a:t>
-            </a:r>
-            <a:r>
-              <a:rPr lang="fr-FR" dirty="0" smtClean="0"/>
-              <a:t>modèle</a:t>
-            </a:r>
-          </a:p>
-          <a:p>
-            <a:r>
-              <a:rPr lang="fr-FR" dirty="0"/>
-              <a:t>La première question à se poser </a:t>
-            </a:r>
-            <a:r>
-              <a:rPr lang="fr-FR" dirty="0" smtClean="0"/>
-              <a:t>est</a:t>
+              <a:rPr lang="fr-FR" dirty="0"/>
+              <a:t>mais aussi de pouvoir tester la qualité de ce modèle</a:t>
+            </a:r>
+          </a:p>
+          <a:p>
+            <a:r>
+              <a:rPr lang="fr-FR" dirty="0"/>
+              <a:t>La première question à se poser est</a:t>
             </a:r>
           </a:p>
           <a:p>
             <a:pPr lvl="1"/>
             <a:r>
-              <a:rPr lang="fr-FR" dirty="0" smtClean="0"/>
-              <a:t>Est-ce </a:t>
-            </a:r>
-            <a:r>
-              <a:rPr lang="fr-FR" dirty="0"/>
-              <a:t>qu’on va utiliser toutes les données d'exemple dont on </a:t>
-            </a:r>
-            <a:r>
-              <a:rPr lang="fr-FR" dirty="0" smtClean="0"/>
-              <a:t>dispose ?</a:t>
+              <a:rPr lang="fr-FR" dirty="0"/>
+              <a:t>Est-ce qu’on va utiliser toutes les données d'exemple dont on dispose ?</a:t>
             </a:r>
           </a:p>
           <a:p>
             <a:pPr lvl="1"/>
             <a:r>
-              <a:rPr lang="fr-FR" dirty="0" smtClean="0"/>
+              <a:rPr lang="fr-FR" dirty="0"/>
               <a:t>Volume, tests, …</a:t>
             </a:r>
           </a:p>
           <a:p>
             <a:r>
-              <a:rPr lang="fr-FR" dirty="0" smtClean="0"/>
+              <a:rPr lang="fr-FR" dirty="0"/>
               <a:t>Il faut échantillonner (</a:t>
             </a:r>
             <a:r>
-              <a:rPr lang="fr-FR" dirty="0" err="1" smtClean="0"/>
+              <a:rPr lang="fr-FR" dirty="0" err="1"/>
               <a:t>sampling</a:t>
             </a:r>
             <a:r>
-              <a:rPr lang="fr-FR" dirty="0" smtClean="0"/>
+              <a:rPr lang="fr-FR" dirty="0"/>
               <a:t>) les données à tester</a:t>
             </a:r>
-            <a:endParaRPr lang="fr-FR" dirty="0"/>
           </a:p>
         </p:txBody>
       </p:sp>
@@ -4322,13 +4224,6 @@
   <p:clrMapOvr>
     <a:masterClrMapping/>
   </p:clrMapOvr>
-  <p:timing>
-    <p:tnLst>
-      <p:par>
-        <p:cTn id="1" dur="indefinite" restart="never" nodeType="tmRoot"/>
-      </p:par>
-    </p:tnLst>
-  </p:timing>
 </p:sld>
 </file>
 
@@ -4365,10 +4260,9 @@
           <a:lstStyle/>
           <a:p>
             <a:r>
-              <a:rPr lang="fr-FR" dirty="0" smtClean="0"/>
+              <a:rPr lang="fr-FR" dirty="0"/>
               <a:t>Randomisation</a:t>
             </a:r>
-            <a:endParaRPr lang="fr-FR" dirty="0"/>
           </a:p>
         </p:txBody>
       </p:sp>
@@ -4388,68 +4282,67 @@
           <a:lstStyle/>
           <a:p>
             <a:r>
-              <a:rPr lang="fr-FR" dirty="0" smtClean="0"/>
+              <a:rPr lang="fr-FR" dirty="0"/>
               <a:t>Il faut utiliser le bon échantillon</a:t>
             </a:r>
           </a:p>
           <a:p>
             <a:pPr lvl="1"/>
             <a:r>
-              <a:rPr lang="fr-FR" dirty="0" smtClean="0"/>
+              <a:rPr lang="fr-FR" dirty="0"/>
               <a:t>Bien répartis</a:t>
             </a:r>
           </a:p>
           <a:p>
             <a:pPr lvl="1"/>
             <a:r>
-              <a:rPr lang="fr-FR" dirty="0" smtClean="0"/>
+              <a:rPr lang="fr-FR" dirty="0"/>
               <a:t>Ne pas introduire de biais</a:t>
             </a:r>
           </a:p>
           <a:p>
             <a:pPr lvl="1"/>
             <a:r>
-              <a:rPr lang="fr-FR" dirty="0" smtClean="0"/>
+              <a:rPr lang="fr-FR" dirty="0"/>
               <a:t>Par exemple à Paris les loyers sont plus chères qu’ailleurs</a:t>
             </a:r>
           </a:p>
           <a:p>
             <a:r>
-              <a:rPr lang="fr-FR" dirty="0" smtClean="0"/>
+              <a:rPr lang="fr-FR" dirty="0"/>
               <a:t>Il faut ensuite découper l’échantillon avec le</a:t>
             </a:r>
           </a:p>
           <a:p>
             <a:pPr lvl="1"/>
             <a:r>
-              <a:rPr lang="fr-FR" dirty="0" smtClean="0"/>
+              <a:rPr lang="fr-FR" dirty="0"/>
               <a:t>Training Set</a:t>
             </a:r>
           </a:p>
           <a:p>
             <a:pPr lvl="1"/>
             <a:r>
-              <a:rPr lang="fr-FR" dirty="0" err="1" smtClean="0"/>
+              <a:rPr lang="fr-FR" dirty="0" err="1"/>
               <a:t>Testing</a:t>
             </a:r>
             <a:r>
-              <a:rPr lang="fr-FR" dirty="0" smtClean="0"/>
+              <a:rPr lang="fr-FR" dirty="0"/>
               <a:t> Set</a:t>
             </a:r>
           </a:p>
           <a:p>
             <a:r>
-              <a:rPr lang="fr-FR" dirty="0" smtClean="0"/>
+              <a:rPr lang="fr-FR" dirty="0"/>
               <a:t>L’un sert à l’apprentissage, l’autre au test</a:t>
             </a:r>
           </a:p>
           <a:p>
             <a:pPr lvl="1"/>
             <a:r>
-              <a:rPr lang="fr-FR" dirty="0" smtClean="0"/>
+              <a:rPr lang="fr-FR" dirty="0"/>
               <a:t>Souvent 80/20</a:t>
             </a:r>
-            <a:endParaRPr lang="fr-FR" dirty="0"/>
           </a:p>
         </p:txBody>
       </p:sp>
@@ -4463,13 +4356,6 @@
   <p:clrMapOvr>
     <a:masterClrMapping/>
   </p:clrMapOvr>
-  <p:timing>
-    <p:tnLst>
-      <p:par>
-        <p:cTn id="1" dur="indefinite" restart="never" nodeType="tmRoot"/>
-      </p:par>
-    </p:tnLst>
-  </p:timing>
 </p:sld>
 </file>
 
@@ -4506,10 +4392,9 @@
           <a:lstStyle/>
           <a:p>
             <a:r>
-              <a:rPr lang="fr-FR" dirty="0" smtClean="0"/>
+              <a:rPr lang="fr-FR" dirty="0"/>
               <a:t>Randomisation</a:t>
             </a:r>
-            <a:endParaRPr lang="fr-FR" dirty="0"/>
           </a:p>
         </p:txBody>
       </p:sp>
@@ -4530,43 +4415,19 @@
           <a:p>
             <a:r>
               <a:rPr lang="fr-FR" dirty="0"/>
-              <a:t>I</a:t>
-            </a:r>
-            <a:r>
-              <a:rPr lang="fr-FR" dirty="0" smtClean="0"/>
-              <a:t>l </a:t>
-            </a:r>
-            <a:r>
-              <a:rPr lang="fr-FR" dirty="0"/>
-              <a:t>s’avère que si on entraîne le modèle avec des données, il va naturellement être plus performant sur ces </a:t>
-            </a:r>
-            <a:r>
-              <a:rPr lang="fr-FR" dirty="0" smtClean="0"/>
-              <a:t>données-là</a:t>
-            </a:r>
-          </a:p>
-          <a:p>
-            <a:r>
-              <a:rPr lang="fr-FR" dirty="0" smtClean="0"/>
-              <a:t>Ce </a:t>
-            </a:r>
-            <a:r>
-              <a:rPr lang="fr-FR" dirty="0"/>
-              <a:t>qui nous intéresse c’est de mesurer sa performance sur des données qu’il n’a jamais vues puisque c’est ce qui va se passer en </a:t>
-            </a:r>
-            <a:r>
-              <a:rPr lang="fr-FR" dirty="0" smtClean="0"/>
-              <a:t>pratique</a:t>
-            </a:r>
-          </a:p>
-          <a:p>
-            <a:r>
-              <a:rPr lang="fr-FR" dirty="0" smtClean="0"/>
-              <a:t>Cette </a:t>
-            </a:r>
-            <a:r>
-              <a:rPr lang="fr-FR" dirty="0"/>
-              <a:t>performance est appelée la </a:t>
+              <a:t>Il s’avère que si on entraîne le modèle avec des données, il va naturellement être plus performant sur ces données-là</a:t>
+            </a:r>
+          </a:p>
+          <a:p>
+            <a:r>
+              <a:rPr lang="fr-FR" dirty="0"/>
+              <a:t>Ce qui nous intéresse c’est de mesurer sa performance sur des données qu’il n’a jamais vues puisque c’est ce qui va se passer en pratique</a:t>
+            </a:r>
+          </a:p>
+          <a:p>
+            <a:r>
+              <a:rPr lang="fr-FR" dirty="0"/>
+              <a:t>Cette performance est appelée la </a:t>
             </a:r>
             <a:r>
               <a:rPr lang="fr-FR" b="1" dirty="0"/>
@@ -4574,23 +4435,14 @@
             </a:r>
             <a:r>
               <a:rPr lang="fr-FR" dirty="0"/>
-              <a:t> du </a:t>
-            </a:r>
-            <a:r>
-              <a:rPr lang="fr-FR" dirty="0" smtClean="0"/>
-              <a:t>modèle</a:t>
-            </a:r>
-            <a:endParaRPr lang="fr-FR" dirty="0"/>
+              <a:t> du modèle</a:t>
+            </a:r>
           </a:p>
           <a:p>
             <a:pPr lvl="1"/>
             <a:r>
-              <a:rPr lang="fr-FR" dirty="0" smtClean="0"/>
-              <a:t>Sa </a:t>
-            </a:r>
-            <a:r>
-              <a:rPr lang="fr-FR" dirty="0"/>
-              <a:t>capacité à effectuer des prédictions de qualité sur des situations jamais rencontrées.</a:t>
+              <a:rPr lang="fr-FR" dirty="0"/>
+              <a:t>Sa capacité à effectuer des prédictions de qualité sur des situations jamais rencontrées.</a:t>
             </a:r>
           </a:p>
         </p:txBody>
@@ -4605,13 +4457,6 @@
   <p:clrMapOvr>
     <a:masterClrMapping/>
   </p:clrMapOvr>
-  <p:timing>
-    <p:tnLst>
-      <p:par>
-        <p:cTn id="1" dur="indefinite" restart="never" nodeType="tmRoot"/>
-      </p:par>
-    </p:tnLst>
-  </p:timing>
 </p:sld>
 </file>
 
@@ -4648,11 +4493,11 @@
           <a:lstStyle/>
           <a:p>
             <a:r>
-              <a:rPr lang="fr-FR" dirty="0" smtClean="0"/>
+              <a:rPr lang="fr-FR" dirty="0"/>
               <a:t>Model </a:t>
             </a:r>
             <a:r>
-              <a:rPr lang="fr-FR" dirty="0" err="1" smtClean="0"/>
+              <a:rPr lang="fr-FR" dirty="0" err="1"/>
               <a:t>Selection</a:t>
             </a:r>
             <a:endParaRPr lang="fr-FR" dirty="0"/>
@@ -4675,32 +4520,32 @@
           <a:lstStyle/>
           <a:p>
             <a:r>
-              <a:rPr lang="fr-FR" dirty="0" smtClean="0"/>
+              <a:rPr lang="fr-FR" dirty="0"/>
               <a:t>Model </a:t>
             </a:r>
             <a:r>
-              <a:rPr lang="fr-FR" dirty="0" err="1" smtClean="0"/>
+              <a:rPr lang="fr-FR" dirty="0" err="1"/>
               <a:t>Selection</a:t>
             </a:r>
             <a:r>
-              <a:rPr lang="fr-FR" dirty="0" smtClean="0"/>
+              <a:rPr lang="fr-FR" dirty="0"/>
               <a:t> est un module de sélection de modèle</a:t>
             </a:r>
           </a:p>
           <a:p>
             <a:r>
-              <a:rPr lang="fr-FR" dirty="0" err="1" smtClean="0"/>
+              <a:rPr lang="fr-FR" dirty="0" err="1"/>
               <a:t>Train_test_split</a:t>
             </a:r>
             <a:r>
-              <a:rPr lang="fr-FR" dirty="0" smtClean="0"/>
+              <a:rPr lang="fr-FR" dirty="0"/>
               <a:t> permet de découper le </a:t>
             </a:r>
             <a:r>
-              <a:rPr lang="fr-FR" dirty="0" err="1" smtClean="0"/>
+              <a:rPr lang="fr-FR" dirty="0" err="1"/>
               <a:t>dataset</a:t>
             </a:r>
-            <a:endParaRPr lang="fr-FR" dirty="0" smtClean="0"/>
+            <a:endParaRPr lang="fr-FR" dirty="0"/>
           </a:p>
           <a:p>
             <a:pPr lvl="1"/>
@@ -4720,7 +4565,7 @@
           <a:p>
             <a:pPr lvl="1"/>
             <a:r>
-              <a:rPr lang="fr-FR" dirty="0" err="1" smtClean="0"/>
+              <a:rPr lang="fr-FR" dirty="0" err="1"/>
               <a:t>xtrain</a:t>
             </a:r>
             <a:r>
@@ -4788,13 +4633,6 @@
   <p:clrMapOvr>
     <a:masterClrMapping/>
   </p:clrMapOvr>
-  <p:timing>
-    <p:tnLst>
-      <p:par>
-        <p:cTn id="1" dur="indefinite" restart="never" nodeType="tmRoot"/>
-      </p:par>
-    </p:tnLst>
-  </p:timing>
 </p:sld>
 </file>
 
@@ -4831,10 +4669,9 @@
           <a:lstStyle/>
           <a:p>
             <a:r>
-              <a:rPr lang="fr-FR" dirty="0" smtClean="0"/>
+              <a:rPr lang="fr-FR" dirty="0"/>
               <a:t>Interprétation du résultat</a:t>
             </a:r>
-            <a:endParaRPr lang="fr-FR" dirty="0"/>
           </a:p>
         </p:txBody>
       </p:sp>
@@ -4854,35 +4691,35 @@
           <a:lstStyle/>
           <a:p>
             <a:r>
-              <a:rPr lang="fr-FR" dirty="0" smtClean="0"/>
+              <a:rPr lang="fr-FR" dirty="0"/>
               <a:t>Evidement en ayant moins de données le résultat sur le training set sera un peu moins bon</a:t>
             </a:r>
           </a:p>
           <a:p>
             <a:r>
-              <a:rPr lang="fr-FR" dirty="0" smtClean="0"/>
+              <a:rPr lang="fr-FR" dirty="0"/>
               <a:t>Mais il faut rejouer la régression sur les </a:t>
             </a:r>
             <a:r>
-              <a:rPr lang="fr-FR" dirty="0" err="1" smtClean="0"/>
+              <a:rPr lang="fr-FR" dirty="0" err="1"/>
               <a:t>testing</a:t>
             </a:r>
             <a:r>
-              <a:rPr lang="fr-FR" dirty="0" smtClean="0"/>
+              <a:rPr lang="fr-FR" dirty="0"/>
               <a:t> set</a:t>
             </a:r>
           </a:p>
           <a:p>
             <a:pPr lvl="1"/>
             <a:r>
-              <a:rPr lang="fr-FR" dirty="0" smtClean="0"/>
+              <a:rPr lang="fr-FR" dirty="0"/>
               <a:t>Il peut être nécessaire de rejouer le modèle plusieurs fois pour arriver à un résultat satisfaisant</a:t>
             </a:r>
           </a:p>
           <a:p>
             <a:pPr lvl="1"/>
             <a:r>
-              <a:rPr lang="fr-FR" dirty="0" smtClean="0"/>
+              <a:rPr lang="fr-FR" dirty="0"/>
               <a:t>Training vs test</a:t>
             </a:r>
           </a:p>
@@ -4950,13 +4787,6 @@
   <p:clrMapOvr>
     <a:masterClrMapping/>
   </p:clrMapOvr>
-  <p:timing>
-    <p:tnLst>
-      <p:par>
-        <p:cTn id="1" dur="indefinite" restart="never" nodeType="tmRoot"/>
-      </p:par>
-    </p:tnLst>
-  </p:timing>
 </p:sld>
 </file>
 
@@ -4993,10 +4823,9 @@
           <a:lstStyle/>
           <a:p>
             <a:r>
-              <a:rPr lang="fr-FR" dirty="0" smtClean="0"/>
+              <a:rPr lang="fr-FR" dirty="0"/>
               <a:t>Echantillonnage</a:t>
             </a:r>
-            <a:endParaRPr lang="fr-FR" dirty="0"/>
           </a:p>
         </p:txBody>
       </p:sp>
@@ -5016,28 +4845,28 @@
           <a:lstStyle/>
           <a:p>
             <a:r>
-              <a:rPr lang="fr-FR" dirty="0" smtClean="0"/>
+              <a:rPr lang="fr-FR" dirty="0"/>
               <a:t>Basé sur une fonctionnalité </a:t>
             </a:r>
             <a:r>
-              <a:rPr lang="fr-FR" dirty="0" err="1" smtClean="0"/>
+              <a:rPr lang="fr-FR" dirty="0" err="1"/>
               <a:t>numpy</a:t>
             </a:r>
-            <a:endParaRPr lang="fr-FR" dirty="0" smtClean="0"/>
-          </a:p>
-          <a:p>
-            <a:r>
-              <a:rPr lang="fr-FR" dirty="0" err="1" smtClean="0"/>
+            <a:endParaRPr lang="fr-FR" dirty="0"/>
+          </a:p>
+          <a:p>
+            <a:r>
+              <a:rPr lang="fr-FR" dirty="0" err="1"/>
               <a:t>np.array</a:t>
             </a:r>
             <a:r>
-              <a:rPr lang="fr-FR" dirty="0" smtClean="0"/>
+              <a:rPr lang="fr-FR" dirty="0"/>
               <a:t>([2,8,0,10,9])[2,4] donne [0,9]</a:t>
             </a:r>
           </a:p>
           <a:p>
             <a:r>
-              <a:rPr lang="fr-FR" dirty="0" smtClean="0"/>
+              <a:rPr lang="fr-FR" dirty="0"/>
               <a:t>Cela donne pour un échantillon de 5000</a:t>
             </a:r>
           </a:p>
@@ -5154,10 +4983,6 @@
               </a:rPr>
               <a:t>]</a:t>
             </a:r>
-            <a:endParaRPr lang="fr-FR" sz="2000" dirty="0" smtClean="0">
-              <a:latin typeface="Courier New" panose="02070309020205020404" pitchFamily="49" charset="0"/>
-              <a:cs typeface="Courier New" panose="02070309020205020404" pitchFamily="49" charset="0"/>
-            </a:endParaRPr>
           </a:p>
           <a:p>
             <a:pPr lvl="1"/>
@@ -5175,312 +5000,6 @@
   <p:clrMapOvr>
     <a:masterClrMapping/>
   </p:clrMapOvr>
-  <p:timing>
-    <p:tnLst>
-      <p:par>
-        <p:cTn id="1" dur="indefinite" restart="never" nodeType="tmRoot"/>
-      </p:par>
-    </p:tnLst>
-  </p:timing>
-</p:sld>
-</file>
-
-<file path=ppt/slides/slide18.xml><?xml version="1.0" encoding="utf-8"?>
-<p:sld xmlns:a="http://schemas.openxmlformats.org/drawingml/2006/main" xmlns:r="http://schemas.openxmlformats.org/officeDocument/2006/relationships" xmlns:p="http://schemas.openxmlformats.org/presentationml/2006/main">
-  <p:cSld>
-    <p:spTree>
-      <p:nvGrpSpPr>
-        <p:cNvPr id="1" name=""/>
-        <p:cNvGrpSpPr/>
-        <p:nvPr/>
-      </p:nvGrpSpPr>
-      <p:grpSpPr>
-        <a:xfrm>
-          <a:off x="0" y="0"/>
-          <a:ext cx="0" cy="0"/>
-          <a:chOff x="0" y="0"/>
-          <a:chExt cx="0" cy="0"/>
-        </a:xfrm>
-      </p:grpSpPr>
-      <p:sp>
-        <p:nvSpPr>
-          <p:cNvPr id="2" name="Titre 1"/>
-          <p:cNvSpPr>
-            <a:spLocks noGrp="1"/>
-          </p:cNvSpPr>
-          <p:nvPr>
-            <p:ph type="title"/>
-          </p:nvPr>
-        </p:nvSpPr>
-        <p:spPr/>
-        <p:txBody>
-          <a:bodyPr/>
-          <a:lstStyle/>
-          <a:p>
-            <a:r>
-              <a:rPr lang="fr-FR" dirty="0" smtClean="0"/>
-              <a:t>Training Set</a:t>
-            </a:r>
-            <a:endParaRPr lang="fr-FR" dirty="0"/>
-          </a:p>
-        </p:txBody>
-      </p:sp>
-      <p:sp>
-        <p:nvSpPr>
-          <p:cNvPr id="3" name="Espace réservé du contenu 2"/>
-          <p:cNvSpPr>
-            <a:spLocks noGrp="1"/>
-          </p:cNvSpPr>
-          <p:nvPr>
-            <p:ph idx="1"/>
-          </p:nvPr>
-        </p:nvSpPr>
-        <p:spPr/>
-        <p:txBody>
-          <a:bodyPr/>
-          <a:lstStyle/>
-          <a:p>
-            <a:r>
-              <a:rPr lang="en-US" dirty="0" err="1">
-                <a:latin typeface="Courier New" panose="02070309020205020404" pitchFamily="49" charset="0"/>
-                <a:cs typeface="Courier New" panose="02070309020205020404" pitchFamily="49" charset="0"/>
-              </a:rPr>
-              <a:t>xtrain</a:t>
-            </a:r>
-            <a:r>
-              <a:rPr lang="en-US" dirty="0">
-                <a:latin typeface="Courier New" panose="02070309020205020404" pitchFamily="49" charset="0"/>
-                <a:cs typeface="Courier New" panose="02070309020205020404" pitchFamily="49" charset="0"/>
-              </a:rPr>
-              <a:t>, </a:t>
-            </a:r>
-            <a:r>
-              <a:rPr lang="en-US" dirty="0" err="1">
-                <a:latin typeface="Courier New" panose="02070309020205020404" pitchFamily="49" charset="0"/>
-                <a:cs typeface="Courier New" panose="02070309020205020404" pitchFamily="49" charset="0"/>
-              </a:rPr>
-              <a:t>xtest</a:t>
-            </a:r>
-            <a:r>
-              <a:rPr lang="en-US" dirty="0">
-                <a:latin typeface="Courier New" panose="02070309020205020404" pitchFamily="49" charset="0"/>
-                <a:cs typeface="Courier New" panose="02070309020205020404" pitchFamily="49" charset="0"/>
-              </a:rPr>
-              <a:t>, </a:t>
-            </a:r>
-            <a:r>
-              <a:rPr lang="en-US" dirty="0" err="1">
-                <a:latin typeface="Courier New" panose="02070309020205020404" pitchFamily="49" charset="0"/>
-                <a:cs typeface="Courier New" panose="02070309020205020404" pitchFamily="49" charset="0"/>
-              </a:rPr>
-              <a:t>ytrain</a:t>
-            </a:r>
-            <a:r>
-              <a:rPr lang="en-US" dirty="0">
-                <a:latin typeface="Courier New" panose="02070309020205020404" pitchFamily="49" charset="0"/>
-                <a:cs typeface="Courier New" panose="02070309020205020404" pitchFamily="49" charset="0"/>
-              </a:rPr>
-              <a:t>, </a:t>
-            </a:r>
-            <a:r>
-              <a:rPr lang="en-US" dirty="0" err="1">
-                <a:latin typeface="Courier New" panose="02070309020205020404" pitchFamily="49" charset="0"/>
-                <a:cs typeface="Courier New" panose="02070309020205020404" pitchFamily="49" charset="0"/>
-              </a:rPr>
-              <a:t>ytest</a:t>
-            </a:r>
-            <a:r>
-              <a:rPr lang="en-US" dirty="0">
-                <a:latin typeface="Courier New" panose="02070309020205020404" pitchFamily="49" charset="0"/>
-                <a:cs typeface="Courier New" panose="02070309020205020404" pitchFamily="49" charset="0"/>
-              </a:rPr>
-              <a:t> = </a:t>
-            </a:r>
-            <a:r>
-              <a:rPr lang="en-US" dirty="0" err="1">
-                <a:latin typeface="Courier New" panose="02070309020205020404" pitchFamily="49" charset="0"/>
-                <a:cs typeface="Courier New" panose="02070309020205020404" pitchFamily="49" charset="0"/>
-              </a:rPr>
-              <a:t>ms.train_test_split</a:t>
-            </a:r>
-            <a:r>
-              <a:rPr lang="en-US" dirty="0">
-                <a:latin typeface="Courier New" panose="02070309020205020404" pitchFamily="49" charset="0"/>
-                <a:cs typeface="Courier New" panose="02070309020205020404" pitchFamily="49" charset="0"/>
-              </a:rPr>
-              <a:t>(data, target, </a:t>
-            </a:r>
-            <a:r>
-              <a:rPr lang="en-US" dirty="0" err="1">
-                <a:latin typeface="Courier New" panose="02070309020205020404" pitchFamily="49" charset="0"/>
-                <a:cs typeface="Courier New" panose="02070309020205020404" pitchFamily="49" charset="0"/>
-              </a:rPr>
-              <a:t>train_size</a:t>
-            </a:r>
-            <a:r>
-              <a:rPr lang="en-US" dirty="0">
-                <a:latin typeface="Courier New" panose="02070309020205020404" pitchFamily="49" charset="0"/>
-                <a:cs typeface="Courier New" panose="02070309020205020404" pitchFamily="49" charset="0"/>
-              </a:rPr>
-              <a:t>=0.8, </a:t>
-            </a:r>
-            <a:r>
-              <a:rPr lang="en-US" dirty="0" err="1">
-                <a:latin typeface="Courier New" panose="02070309020205020404" pitchFamily="49" charset="0"/>
-                <a:cs typeface="Courier New" panose="02070309020205020404" pitchFamily="49" charset="0"/>
-              </a:rPr>
-              <a:t>test_size</a:t>
-            </a:r>
-            <a:r>
-              <a:rPr lang="en-US" dirty="0">
-                <a:latin typeface="Courier New" panose="02070309020205020404" pitchFamily="49" charset="0"/>
-                <a:cs typeface="Courier New" panose="02070309020205020404" pitchFamily="49" charset="0"/>
-              </a:rPr>
-              <a:t>=0.2)</a:t>
-            </a:r>
-            <a:endParaRPr lang="fr-FR" dirty="0">
-              <a:latin typeface="Courier New" panose="02070309020205020404" pitchFamily="49" charset="0"/>
-              <a:cs typeface="Courier New" panose="02070309020205020404" pitchFamily="49" charset="0"/>
-            </a:endParaRPr>
-          </a:p>
-        </p:txBody>
-      </p:sp>
-    </p:spTree>
-    <p:extLst>
-      <p:ext uri="{BB962C8B-B14F-4D97-AF65-F5344CB8AC3E}">
-        <p14:creationId xmlns:p14="http://schemas.microsoft.com/office/powerpoint/2010/main" val="1656877301"/>
-      </p:ext>
-    </p:extLst>
-  </p:cSld>
-  <p:clrMapOvr>
-    <a:masterClrMapping/>
-  </p:clrMapOvr>
-  <p:timing>
-    <p:tnLst>
-      <p:par>
-        <p:cTn id="1" dur="indefinite" restart="never" nodeType="tmRoot"/>
-      </p:par>
-    </p:tnLst>
-  </p:timing>
-</p:sld>
-</file>
-
-<file path=ppt/slides/slide19.xml><?xml version="1.0" encoding="utf-8"?>
-<p:sld xmlns:a="http://schemas.openxmlformats.org/drawingml/2006/main" xmlns:r="http://schemas.openxmlformats.org/officeDocument/2006/relationships" xmlns:p="http://schemas.openxmlformats.org/presentationml/2006/main">
-  <p:cSld>
-    <p:spTree>
-      <p:nvGrpSpPr>
-        <p:cNvPr id="1" name=""/>
-        <p:cNvGrpSpPr/>
-        <p:nvPr/>
-      </p:nvGrpSpPr>
-      <p:grpSpPr>
-        <a:xfrm>
-          <a:off x="0" y="0"/>
-          <a:ext cx="0" cy="0"/>
-          <a:chOff x="0" y="0"/>
-          <a:chExt cx="0" cy="0"/>
-        </a:xfrm>
-      </p:grpSpPr>
-      <p:sp>
-        <p:nvSpPr>
-          <p:cNvPr id="2" name="Titre 1"/>
-          <p:cNvSpPr>
-            <a:spLocks noGrp="1"/>
-          </p:cNvSpPr>
-          <p:nvPr>
-            <p:ph type="title"/>
-          </p:nvPr>
-        </p:nvSpPr>
-        <p:spPr/>
-        <p:txBody>
-          <a:bodyPr/>
-          <a:lstStyle/>
-          <a:p>
-            <a:r>
-              <a:rPr lang="fr-FR" dirty="0"/>
-              <a:t>Régression non-polynomiale</a:t>
-            </a:r>
-          </a:p>
-        </p:txBody>
-      </p:sp>
-      <p:sp>
-        <p:nvSpPr>
-          <p:cNvPr id="3" name="Espace réservé du contenu 2"/>
-          <p:cNvSpPr>
-            <a:spLocks noGrp="1"/>
-          </p:cNvSpPr>
-          <p:nvPr>
-            <p:ph idx="1"/>
-          </p:nvPr>
-        </p:nvSpPr>
-        <p:spPr/>
-        <p:txBody>
-          <a:bodyPr/>
-          <a:lstStyle/>
-          <a:p>
-            <a:r>
-              <a:rPr lang="fr-FR" dirty="0"/>
-              <a:t>Il est possible d’appliquer n’importe quelle régression</a:t>
-            </a:r>
-          </a:p>
-          <a:p>
-            <a:pPr lvl="1"/>
-            <a:r>
-              <a:rPr lang="fr-FR" dirty="0" smtClean="0"/>
-              <a:t>Uniquement à </a:t>
-            </a:r>
-            <a:r>
-              <a:rPr lang="fr-FR" dirty="0"/>
-              <a:t>partir d’une fonction </a:t>
-            </a:r>
-            <a:r>
-              <a:rPr lang="fr-FR" dirty="0" err="1" smtClean="0"/>
-              <a:t>numpy</a:t>
-            </a:r>
-            <a:endParaRPr lang="fr-FR" dirty="0"/>
-          </a:p>
-          <a:p>
-            <a:r>
-              <a:rPr lang="fr-FR" dirty="0" smtClean="0"/>
-              <a:t>Méthode </a:t>
-            </a:r>
-            <a:r>
-              <a:rPr lang="fr-FR" dirty="0" err="1" smtClean="0"/>
-              <a:t>curve_fit</a:t>
-            </a:r>
-            <a:r>
-              <a:rPr lang="fr-FR" dirty="0" smtClean="0"/>
-              <a:t> de </a:t>
-            </a:r>
-            <a:r>
-              <a:rPr lang="fr-FR" dirty="0" err="1" smtClean="0"/>
-              <a:t>scipy</a:t>
-            </a:r>
-            <a:endParaRPr lang="fr-FR" dirty="0" smtClean="0"/>
-          </a:p>
-          <a:p>
-            <a:endParaRPr lang="fr-FR" dirty="0"/>
-          </a:p>
-        </p:txBody>
-      </p:sp>
-    </p:spTree>
-    <p:extLst>
-      <p:ext uri="{BB962C8B-B14F-4D97-AF65-F5344CB8AC3E}">
-        <p14:creationId xmlns:p14="http://schemas.microsoft.com/office/powerpoint/2010/main" val="1492295483"/>
-      </p:ext>
-    </p:extLst>
-  </p:cSld>
-  <p:clrMapOvr>
-    <a:masterClrMapping/>
-  </p:clrMapOvr>
-  <p:timing>
-    <p:tnLst>
-      <p:par>
-        <p:cTn id="1" dur="indefinite" restart="never" nodeType="tmRoot"/>
-      </p:par>
-    </p:tnLst>
-  </p:timing>
 </p:sld>
 </file>
 
@@ -5558,26 +5077,14 @@
             </a:r>
             <a:r>
               <a:rPr lang="fr-FR" sz="2400" dirty="0"/>
-              <a:t> est devenu une référence dans le monde de l'intelligence </a:t>
-            </a:r>
-            <a:r>
-              <a:rPr lang="fr-FR" sz="2400" dirty="0" smtClean="0"/>
-              <a:t>artificielle</a:t>
+              <a:t> est devenu une référence dans le monde de l'intelligence artificielle</a:t>
             </a:r>
           </a:p>
           <a:p>
             <a:pPr lvl="1"/>
             <a:r>
               <a:rPr lang="fr-FR" sz="2000" dirty="0"/>
-              <a:t>D</a:t>
-            </a:r>
-            <a:r>
-              <a:rPr lang="fr-FR" sz="2000" dirty="0" smtClean="0"/>
-              <a:t>e </a:t>
-            </a:r>
-            <a:r>
-              <a:rPr lang="fr-FR" sz="2000" dirty="0"/>
-              <a:t>Paris à San Francisco en passant par Singapour, la bibliothèque de machine </a:t>
+              <a:t>De Paris à San Francisco en passant par Singapour, la bibliothèque de machine </a:t>
             </a:r>
             <a:r>
               <a:rPr lang="fr-FR" sz="2000" dirty="0" err="1"/>
@@ -5593,35 +5100,31 @@
             </a:r>
             <a:r>
               <a:rPr lang="fr-FR" sz="2000" dirty="0"/>
-              <a:t> compris</a:t>
-            </a:r>
-            <a:r>
-              <a:rPr lang="fr-FR" sz="2000" dirty="0" smtClean="0"/>
-              <a:t>.</a:t>
-            </a:r>
-          </a:p>
-          <a:p>
-            <a:r>
-              <a:rPr lang="fr-FR" sz="2400" dirty="0" err="1" smtClean="0"/>
+              <a:t> compris.</a:t>
+            </a:r>
+          </a:p>
+          <a:p>
+            <a:r>
+              <a:rPr lang="fr-FR" sz="2400" dirty="0" err="1"/>
               <a:t>pip</a:t>
             </a:r>
             <a:r>
-              <a:rPr lang="fr-FR" sz="2400" dirty="0" smtClean="0"/>
+              <a:rPr lang="fr-FR" sz="2400" dirty="0"/>
               <a:t> </a:t>
             </a:r>
             <a:r>
-              <a:rPr lang="fr-FR" sz="2400" dirty="0" err="1" smtClean="0"/>
+              <a:rPr lang="fr-FR" sz="2400" dirty="0" err="1"/>
               <a:t>install</a:t>
             </a:r>
             <a:r>
-              <a:rPr lang="fr-FR" sz="2400" dirty="0" smtClean="0"/>
+              <a:rPr lang="fr-FR" sz="2400" dirty="0"/>
               <a:t> </a:t>
             </a:r>
             <a:r>
-              <a:rPr lang="fr-FR" sz="2400" dirty="0" err="1" smtClean="0"/>
+              <a:rPr lang="fr-FR" sz="2400" dirty="0" err="1"/>
               <a:t>scikit-learn</a:t>
             </a:r>
-            <a:endParaRPr lang="fr-FR" sz="2400" dirty="0" smtClean="0"/>
+            <a:endParaRPr lang="fr-FR" sz="2400" dirty="0"/>
           </a:p>
           <a:p>
             <a:pPr lvl="1"/>
@@ -5687,13 +5190,6 @@
   <p:clrMapOvr>
     <a:masterClrMapping/>
   </p:clrMapOvr>
-  <p:timing>
-    <p:tnLst>
-      <p:par>
-        <p:cTn id="1" dur="indefinite" restart="never" nodeType="tmRoot"/>
-      </p:par>
-    </p:tnLst>
-  </p:timing>
 </p:sld>
 </file>
 
@@ -5749,75 +5245,75 @@
           <a:lstStyle/>
           <a:p>
             <a:r>
-              <a:rPr lang="fr-FR" dirty="0" err="1" smtClean="0"/>
+              <a:rPr lang="fr-FR" dirty="0" err="1"/>
               <a:t>Scikit-learn</a:t>
             </a:r>
             <a:r>
-              <a:rPr lang="fr-FR" dirty="0" smtClean="0"/>
+              <a:rPr lang="fr-FR" dirty="0"/>
               <a:t> est le package de machine </a:t>
             </a:r>
             <a:r>
-              <a:rPr lang="fr-FR" dirty="0" err="1" smtClean="0"/>
+              <a:rPr lang="fr-FR" dirty="0" err="1"/>
               <a:t>learning</a:t>
             </a:r>
             <a:r>
-              <a:rPr lang="fr-FR" dirty="0" smtClean="0"/>
+              <a:rPr lang="fr-FR" dirty="0"/>
               <a:t> Python</a:t>
             </a:r>
           </a:p>
           <a:p>
             <a:pPr lvl="1"/>
             <a:r>
-              <a:rPr lang="fr-FR" dirty="0" smtClean="0"/>
+              <a:rPr lang="fr-FR" dirty="0"/>
               <a:t>Catégorisation</a:t>
             </a:r>
           </a:p>
           <a:p>
             <a:pPr lvl="1"/>
             <a:r>
-              <a:rPr lang="fr-FR" dirty="0" smtClean="0"/>
+              <a:rPr lang="fr-FR" dirty="0"/>
               <a:t>Régression</a:t>
             </a:r>
           </a:p>
           <a:p>
             <a:pPr lvl="1"/>
             <a:r>
-              <a:rPr lang="fr-FR" dirty="0" err="1" smtClean="0"/>
+              <a:rPr lang="fr-FR" dirty="0" err="1"/>
               <a:t>Clusterisation</a:t>
             </a:r>
             <a:r>
-              <a:rPr lang="fr-FR" dirty="0" smtClean="0"/>
+              <a:rPr lang="fr-FR" dirty="0"/>
               <a:t> (regroupement)</a:t>
             </a:r>
           </a:p>
           <a:p>
             <a:pPr lvl="1"/>
             <a:r>
-              <a:rPr lang="fr-FR" dirty="0" smtClean="0"/>
+              <a:rPr lang="fr-FR" dirty="0"/>
               <a:t>Réduction de dimension</a:t>
             </a:r>
           </a:p>
           <a:p>
             <a:pPr lvl="1"/>
             <a:r>
-              <a:rPr lang="fr-FR" dirty="0" smtClean="0"/>
+              <a:rPr lang="fr-FR" dirty="0"/>
               <a:t>Sélection de modèle</a:t>
             </a:r>
           </a:p>
           <a:p>
             <a:pPr lvl="1"/>
             <a:r>
-              <a:rPr lang="fr-FR" dirty="0" err="1" smtClean="0"/>
+              <a:rPr lang="fr-FR" dirty="0" err="1"/>
               <a:t>Preprocessing</a:t>
             </a:r>
             <a:r>
-              <a:rPr lang="fr-FR" dirty="0" smtClean="0"/>
+              <a:rPr lang="fr-FR" dirty="0"/>
               <a:t> (Filtrage, Randomisation)</a:t>
             </a:r>
           </a:p>
           <a:p>
             <a:pPr lvl="1"/>
-            <a:endParaRPr lang="fr-FR" dirty="0" smtClean="0"/>
+            <a:endParaRPr lang="fr-FR" dirty="0"/>
           </a:p>
           <a:p>
             <a:pPr lvl="1"/>
@@ -5900,13 +5396,6 @@
   <p:clrMapOvr>
     <a:masterClrMapping/>
   </p:clrMapOvr>
-  <p:timing>
-    <p:tnLst>
-      <p:par>
-        <p:cTn id="1" dur="indefinite" restart="never" nodeType="tmRoot"/>
-      </p:par>
-    </p:tnLst>
-  </p:timing>
 </p:sld>
 </file>
 
@@ -5943,10 +5432,9 @@
           <a:lstStyle/>
           <a:p>
             <a:r>
-              <a:rPr lang="fr-FR" dirty="0" smtClean="0"/>
+              <a:rPr lang="fr-FR" dirty="0"/>
               <a:t>Régression</a:t>
             </a:r>
-            <a:endParaRPr lang="fr-FR" dirty="0"/>
           </a:p>
         </p:txBody>
       </p:sp>
@@ -5966,85 +5454,84 @@
           <a:lstStyle/>
           <a:p>
             <a:r>
-              <a:rPr lang="fr-FR" dirty="0" smtClean="0"/>
+              <a:rPr lang="fr-FR" dirty="0"/>
               <a:t>Commençons par la régression linéaire</a:t>
             </a:r>
+          </a:p>
+          <a:p>
+            <a:r>
+              <a:rPr lang="fr-FR" dirty="0"/>
+              <a:t>Import </a:t>
+            </a:r>
+            <a:r>
+              <a:rPr lang="fr-FR" dirty="0" err="1"/>
+              <a:t>sklearn.linearmodel</a:t>
+            </a:r>
             <a:endParaRPr lang="fr-FR" dirty="0"/>
           </a:p>
           <a:p>
-            <a:r>
-              <a:rPr lang="fr-FR" dirty="0" smtClean="0"/>
-              <a:t>Import </a:t>
-            </a:r>
-            <a:r>
-              <a:rPr lang="fr-FR" dirty="0" err="1" smtClean="0"/>
-              <a:t>sklearn.linearmodel</a:t>
-            </a:r>
-            <a:endParaRPr lang="fr-FR" dirty="0" smtClean="0"/>
-          </a:p>
-          <a:p>
             <a:pPr lvl="1"/>
             <a:r>
-              <a:rPr lang="fr-FR" dirty="0" smtClean="0"/>
+              <a:rPr lang="fr-FR" dirty="0"/>
               <a:t>Minimisation de l’erreur </a:t>
             </a:r>
             <a:r>
-              <a:rPr lang="fr-FR" dirty="0" err="1" smtClean="0"/>
+              <a:rPr lang="fr-FR" dirty="0" err="1"/>
               <a:t>quadritique</a:t>
             </a:r>
-            <a:endParaRPr lang="fr-FR" dirty="0" smtClean="0"/>
-          </a:p>
-          <a:p>
-            <a:r>
-              <a:rPr lang="fr-FR" dirty="0" smtClean="0"/>
+            <a:endParaRPr lang="fr-FR" dirty="0"/>
+          </a:p>
+          <a:p>
+            <a:r>
+              <a:rPr lang="fr-FR" dirty="0"/>
               <a:t>Classe </a:t>
             </a:r>
             <a:r>
-              <a:rPr lang="fr-FR" dirty="0" err="1" smtClean="0"/>
+              <a:rPr lang="fr-FR" dirty="0" err="1"/>
               <a:t>LinearRegression</a:t>
             </a:r>
-            <a:endParaRPr lang="fr-FR" dirty="0" smtClean="0"/>
-          </a:p>
-          <a:p>
-            <a:r>
-              <a:rPr lang="fr-FR" dirty="0" smtClean="0"/>
+            <a:endParaRPr lang="fr-FR" dirty="0"/>
+          </a:p>
+          <a:p>
+            <a:r>
+              <a:rPr lang="fr-FR" dirty="0"/>
               <a:t>Fit()</a:t>
             </a:r>
           </a:p>
           <a:p>
             <a:pPr lvl="1"/>
             <a:r>
-              <a:rPr lang="fr-FR" dirty="0" smtClean="0"/>
+              <a:rPr lang="fr-FR" dirty="0"/>
               <a:t>Va démarrer l’apprentissage</a:t>
             </a:r>
           </a:p>
           <a:p>
             <a:r>
-              <a:rPr lang="fr-FR" dirty="0" err="1" smtClean="0"/>
+              <a:rPr lang="fr-FR" dirty="0" err="1"/>
               <a:t>Predict</a:t>
             </a:r>
             <a:r>
-              <a:rPr lang="fr-FR" dirty="0" smtClean="0"/>
+              <a:rPr lang="fr-FR" dirty="0"/>
               <a:t>()</a:t>
             </a:r>
           </a:p>
           <a:p>
             <a:pPr lvl="1"/>
             <a:r>
-              <a:rPr lang="fr-FR" dirty="0" smtClean="0"/>
+              <a:rPr lang="fr-FR" dirty="0"/>
               <a:t>Joue le modèle</a:t>
             </a:r>
           </a:p>
           <a:p>
             <a:r>
-              <a:rPr lang="fr-FR" dirty="0" smtClean="0"/>
+              <a:rPr lang="fr-FR" dirty="0"/>
               <a:t>Résultats identiques à </a:t>
             </a:r>
             <a:r>
-              <a:rPr lang="fr-FR" dirty="0" err="1" smtClean="0"/>
+              <a:rPr lang="fr-FR" dirty="0" err="1"/>
               <a:t>SciPy</a:t>
             </a:r>
-            <a:endParaRPr lang="fr-FR" dirty="0" smtClean="0"/>
+            <a:endParaRPr lang="fr-FR" dirty="0"/>
           </a:p>
         </p:txBody>
       </p:sp>
@@ -6058,13 +5545,6 @@
   <p:clrMapOvr>
     <a:masterClrMapping/>
   </p:clrMapOvr>
-  <p:timing>
-    <p:tnLst>
-      <p:par>
-        <p:cTn id="1" dur="indefinite" restart="never" nodeType="tmRoot"/>
-      </p:par>
-    </p:tnLst>
-  </p:timing>
 </p:sld>
 </file>
 
@@ -6101,10 +5581,9 @@
           <a:lstStyle/>
           <a:p>
             <a:r>
-              <a:rPr lang="fr-FR" dirty="0" smtClean="0"/>
+              <a:rPr lang="fr-FR" dirty="0"/>
               <a:t>Régression</a:t>
             </a:r>
-            <a:endParaRPr lang="fr-FR" dirty="0"/>
           </a:p>
         </p:txBody>
       </p:sp>
@@ -6159,13 +5638,6 @@
   <p:clrMapOvr>
     <a:masterClrMapping/>
   </p:clrMapOvr>
-  <p:timing>
-    <p:tnLst>
-      <p:par>
-        <p:cTn id="1" dur="indefinite" restart="never" nodeType="tmRoot"/>
-      </p:par>
-    </p:tnLst>
-  </p:timing>
 </p:sld>
 </file>
 
@@ -6202,7 +5674,7 @@
           <a:lstStyle/>
           <a:p>
             <a:r>
-              <a:rPr lang="fr-FR" dirty="0" err="1" smtClean="0"/>
+              <a:rPr lang="fr-FR" dirty="0" err="1"/>
               <a:t>Dataset</a:t>
             </a:r>
             <a:endParaRPr lang="fr-FR" dirty="0"/>
@@ -6225,37 +5697,33 @@
           <a:lstStyle/>
           <a:p>
             <a:r>
-              <a:rPr lang="fr-FR" dirty="0" smtClean="0"/>
+              <a:rPr lang="fr-FR" dirty="0"/>
               <a:t>X représente le </a:t>
             </a:r>
             <a:r>
-              <a:rPr lang="fr-FR" dirty="0" err="1" smtClean="0"/>
+              <a:rPr lang="fr-FR" dirty="0" err="1"/>
               <a:t>Dataset</a:t>
             </a:r>
-            <a:endParaRPr lang="fr-FR" dirty="0" smtClean="0"/>
+            <a:endParaRPr lang="fr-FR" dirty="0"/>
           </a:p>
           <a:p>
             <a:pPr lvl="1"/>
             <a:r>
-              <a:rPr lang="fr-FR" dirty="0" smtClean="0"/>
+              <a:rPr lang="fr-FR" dirty="0"/>
               <a:t>S’exprime en majuscule car il s’agit d’une matrice</a:t>
             </a:r>
           </a:p>
           <a:p>
             <a:pPr lvl="1"/>
             <a:r>
-              <a:rPr lang="fr-FR" dirty="0" smtClean="0"/>
+              <a:rPr lang="fr-FR" dirty="0"/>
               <a:t>1 dimension = 1 variable</a:t>
             </a:r>
           </a:p>
           <a:p>
             <a:r>
               <a:rPr lang="fr-FR" dirty="0"/>
-              <a:t>y</a:t>
-            </a:r>
-            <a:r>
-              <a:rPr lang="fr-FR" dirty="0" smtClean="0"/>
-              <a:t> représente le résultat</a:t>
+              <a:t>y représente le résultat</a:t>
             </a:r>
           </a:p>
         </p:txBody>
@@ -6270,13 +5738,6 @@
   <p:clrMapOvr>
     <a:masterClrMapping/>
   </p:clrMapOvr>
-  <p:timing>
-    <p:tnLst>
-      <p:par>
-        <p:cTn id="1" dur="indefinite" restart="never" nodeType="tmRoot"/>
-      </p:par>
-    </p:tnLst>
-  </p:timing>
 </p:sld>
 </file>
 
@@ -6313,10 +5774,9 @@
           <a:lstStyle/>
           <a:p>
             <a:r>
-              <a:rPr lang="fr-FR" dirty="0" smtClean="0"/>
+              <a:rPr lang="fr-FR" dirty="0"/>
               <a:t>Régression polynomiale</a:t>
             </a:r>
-            <a:endParaRPr lang="fr-FR" dirty="0"/>
           </a:p>
         </p:txBody>
       </p:sp>
@@ -6336,14 +5796,13 @@
           <a:lstStyle/>
           <a:p>
             <a:r>
-              <a:rPr lang="fr-FR" dirty="0" err="1" smtClean="0"/>
+              <a:rPr lang="fr-FR" dirty="0" err="1"/>
               <a:t>Sklearn</a:t>
             </a:r>
             <a:r>
-              <a:rPr lang="fr-FR" dirty="0" smtClean="0"/>
+              <a:rPr lang="fr-FR" dirty="0"/>
               <a:t> effectue des régressions polynomiale</a:t>
             </a:r>
-            <a:endParaRPr lang="fr-FR" dirty="0"/>
           </a:p>
         </p:txBody>
       </p:sp>
@@ -6398,13 +5857,6 @@
   <p:clrMapOvr>
     <a:masterClrMapping/>
   </p:clrMapOvr>
-  <p:timing>
-    <p:tnLst>
-      <p:par>
-        <p:cTn id="1" dur="indefinite" restart="never" nodeType="tmRoot"/>
-      </p:par>
-    </p:tnLst>
-  </p:timing>
 </p:sld>
 </file>
 
@@ -6441,7 +5893,7 @@
           <a:lstStyle/>
           <a:p>
             <a:r>
-              <a:rPr lang="fr-FR" dirty="0" err="1" smtClean="0"/>
+              <a:rPr lang="fr-FR" dirty="0" err="1"/>
               <a:t>PreProcessing</a:t>
             </a:r>
             <a:endParaRPr lang="fr-FR" dirty="0"/>
@@ -6464,25 +5916,25 @@
           <a:lstStyle/>
           <a:p>
             <a:r>
-              <a:rPr lang="fr-FR" dirty="0" err="1" smtClean="0"/>
+              <a:rPr lang="fr-FR" dirty="0" err="1"/>
               <a:t>Preprocessing</a:t>
             </a:r>
             <a:r>
-              <a:rPr lang="fr-FR" dirty="0" smtClean="0"/>
+              <a:rPr lang="fr-FR" dirty="0"/>
               <a:t> contient des </a:t>
             </a:r>
             <a:r>
-              <a:rPr lang="fr-FR" dirty="0" err="1" smtClean="0"/>
+              <a:rPr lang="fr-FR" dirty="0" err="1"/>
               <a:t>Features</a:t>
             </a:r>
             <a:r>
-              <a:rPr lang="fr-FR" dirty="0" smtClean="0"/>
+              <a:rPr lang="fr-FR" dirty="0"/>
               <a:t> qui sont des algorithmes de modèles pré-calculés</a:t>
             </a:r>
           </a:p>
           <a:p>
             <a:r>
-              <a:rPr lang="fr-FR" dirty="0" smtClean="0"/>
+              <a:rPr lang="fr-FR" dirty="0"/>
               <a:t>Il en existe des centaines</a:t>
             </a:r>
           </a:p>
@@ -6497,11 +5949,7 @@
             </a:r>
             <a:r>
               <a:rPr lang="fr-FR" dirty="0"/>
-              <a:t> as </a:t>
-            </a:r>
-            <a:r>
-              <a:rPr lang="fr-FR" dirty="0" smtClean="0"/>
-              <a:t>pp</a:t>
+              <a:t> as pp</a:t>
             </a:r>
           </a:p>
           <a:p>
@@ -6513,7 +5961,6 @@
               <a:rPr lang="fr-FR" dirty="0"/>
               <a:t>(2)</a:t>
             </a:r>
-            <a:endParaRPr lang="fr-FR" dirty="0" smtClean="0"/>
           </a:p>
           <a:p>
             <a:endParaRPr lang="fr-FR" dirty="0"/>
@@ -6530,13 +5977,6 @@
   <p:clrMapOvr>
     <a:masterClrMapping/>
   </p:clrMapOvr>
-  <p:timing>
-    <p:tnLst>
-      <p:par>
-        <p:cTn id="1" dur="indefinite" restart="never" nodeType="tmRoot"/>
-      </p:par>
-    </p:tnLst>
-  </p:timing>
 </p:sld>
 </file>
 
@@ -6573,10 +6013,9 @@
           <a:lstStyle/>
           <a:p>
             <a:r>
-              <a:rPr lang="fr-FR" dirty="0" smtClean="0"/>
+              <a:rPr lang="fr-FR" dirty="0"/>
               <a:t>Pipeline</a:t>
             </a:r>
-            <a:endParaRPr lang="fr-FR" dirty="0"/>
           </a:p>
         </p:txBody>
       </p:sp>
@@ -6596,15 +6035,15 @@
           <a:lstStyle/>
           <a:p>
             <a:r>
-              <a:rPr lang="fr-FR" dirty="0" smtClean="0"/>
+              <a:rPr lang="fr-FR" dirty="0"/>
               <a:t>Pipeline permet de créer des modèles avec des </a:t>
             </a:r>
             <a:r>
-              <a:rPr lang="fr-FR" dirty="0" err="1" smtClean="0"/>
+              <a:rPr lang="fr-FR" dirty="0" err="1"/>
               <a:t>features</a:t>
             </a:r>
             <a:r>
-              <a:rPr lang="fr-FR" dirty="0" smtClean="0"/>
+              <a:rPr lang="fr-FR" dirty="0"/>
               <a:t> et des calculs d’erreurs paramétrables</a:t>
             </a:r>
           </a:p>
@@ -6619,47 +6058,39 @@
             </a:r>
             <a:r>
               <a:rPr lang="fr-FR" dirty="0"/>
-              <a:t> as </a:t>
-            </a:r>
-            <a:r>
-              <a:rPr lang="fr-FR" dirty="0" smtClean="0"/>
-              <a:t>pipe</a:t>
-            </a:r>
-          </a:p>
-          <a:p>
-            <a:r>
-              <a:rPr lang="fr-FR" dirty="0" err="1" smtClean="0"/>
+              <a:t> as pipe</a:t>
+            </a:r>
+          </a:p>
+          <a:p>
+            <a:r>
+              <a:rPr lang="fr-FR" dirty="0" err="1"/>
               <a:t>pipe.make_pipeline</a:t>
             </a:r>
             <a:r>
-              <a:rPr lang="fr-FR" dirty="0" smtClean="0"/>
+              <a:rPr lang="fr-FR" dirty="0"/>
               <a:t>(</a:t>
             </a:r>
             <a:r>
-              <a:rPr lang="fr-FR" dirty="0" err="1" smtClean="0"/>
+              <a:rPr lang="fr-FR" dirty="0" err="1"/>
               <a:t>pp.PolynomialFeatures</a:t>
             </a:r>
             <a:r>
-              <a:rPr lang="fr-FR" dirty="0" smtClean="0"/>
-              <a:t>(2</a:t>
-            </a:r>
-            <a:r>
-              <a:rPr lang="fr-FR" dirty="0"/>
-              <a:t>), </a:t>
+              <a:rPr lang="fr-FR" dirty="0"/>
+              <a:t>(2), </a:t>
             </a:r>
             <a:r>
               <a:rPr lang="fr-FR" dirty="0" err="1"/>
               <a:t>sklm.Ridge</a:t>
             </a:r>
             <a:r>
-              <a:rPr lang="fr-FR" dirty="0" smtClean="0"/>
+              <a:rPr lang="fr-FR" dirty="0"/>
               <a:t>())</a:t>
             </a:r>
           </a:p>
           <a:p>
             <a:pPr lvl="1"/>
             <a:r>
-              <a:rPr lang="fr-FR" dirty="0" smtClean="0"/>
+              <a:rPr lang="fr-FR" dirty="0"/>
               <a:t>Ridge est l’algorithme de calcul de l’erreur quadratique</a:t>
             </a:r>
           </a:p>
@@ -6690,11 +6121,11 @@
               <a:t>sklm.Ridge</a:t>
             </a:r>
             <a:r>
-              <a:rPr lang="fr-FR" dirty="0" smtClean="0"/>
+              <a:rPr lang="fr-FR" dirty="0"/>
               <a:t>()) # est identique à </a:t>
             </a:r>
             <a:r>
-              <a:rPr lang="fr-FR" dirty="0" err="1" smtClean="0"/>
+              <a:rPr lang="fr-FR" dirty="0" err="1"/>
               <a:t>LinearRegression</a:t>
             </a:r>
             <a:endParaRPr lang="fr-FR" dirty="0"/>
@@ -6711,13 +6142,6 @@
   <p:clrMapOvr>
     <a:masterClrMapping/>
   </p:clrMapOvr>
-  <p:timing>
-    <p:tnLst>
-      <p:par>
-        <p:cTn id="1" dur="indefinite" restart="never" nodeType="tmRoot"/>
-      </p:par>
-    </p:tnLst>
-  </p:timing>
 </p:sld>
 </file>
 
